--- a/ppt 16-9/0419.你当竭力在神面前.pptx
+++ b/ppt 16-9/0419.你当竭力在神面前.pptx
@@ -129,7 +129,7 @@
           <p:cNvPr id="2" name="标题 1">
             <a:extLst>
               <a:ext uri="{FF2B5EF4-FFF2-40B4-BE49-F238E27FC236}">
-                <a16:creationId xmlns:a16="http://schemas.microsoft.com/office/drawing/2014/main" id="{FF3BEDCC-A83B-2F37-FB41-10E30DD3767D}"/>
+                <a16:creationId xmlns:a16="http://schemas.microsoft.com/office/drawing/2014/main" id="{473466CA-111D-1502-0AF1-D497A3A015EA}"/>
               </a:ext>
             </a:extLst>
           </p:cNvPr>
@@ -166,7 +166,7 @@
           <p:cNvPr id="3" name="副标题 2">
             <a:extLst>
               <a:ext uri="{FF2B5EF4-FFF2-40B4-BE49-F238E27FC236}">
-                <a16:creationId xmlns:a16="http://schemas.microsoft.com/office/drawing/2014/main" id="{F9C6DCE3-2614-8A23-E558-FB707ED5C526}"/>
+                <a16:creationId xmlns:a16="http://schemas.microsoft.com/office/drawing/2014/main" id="{93313287-CC24-1199-74EA-CA29367A9EBD}"/>
               </a:ext>
             </a:extLst>
           </p:cNvPr>
@@ -236,7 +236,7 @@
           <p:cNvPr id="4" name="日期占位符 3">
             <a:extLst>
               <a:ext uri="{FF2B5EF4-FFF2-40B4-BE49-F238E27FC236}">
-                <a16:creationId xmlns:a16="http://schemas.microsoft.com/office/drawing/2014/main" id="{5156E6EA-CB2E-2AD2-700B-F5CA60F4812C}"/>
+                <a16:creationId xmlns:a16="http://schemas.microsoft.com/office/drawing/2014/main" id="{1268331E-D233-1E22-8607-81C03EA06740}"/>
               </a:ext>
             </a:extLst>
           </p:cNvPr>
@@ -252,7 +252,7 @@
           <a:bodyPr/>
           <a:lstStyle/>
           <a:p>
-            <a:fld id="{0FE7D270-B4D6-42E0-A749-EB949D0DEC6C}" type="datetimeFigureOut">
+            <a:fld id="{BFEDC7EF-CE9E-4573-A1DF-8DF5F106E494}" type="datetimeFigureOut">
               <a:rPr lang="zh-CN" altLang="en-US" smtClean="0"/>
               <a:t>2024/3/10</a:t>
             </a:fld>
@@ -265,7 +265,7 @@
           <p:cNvPr id="5" name="页脚占位符 4">
             <a:extLst>
               <a:ext uri="{FF2B5EF4-FFF2-40B4-BE49-F238E27FC236}">
-                <a16:creationId xmlns:a16="http://schemas.microsoft.com/office/drawing/2014/main" id="{C2B3D846-63B0-08B9-E19C-61D698268065}"/>
+                <a16:creationId xmlns:a16="http://schemas.microsoft.com/office/drawing/2014/main" id="{76CA3C19-D5C8-CF5D-70E3-194631FF0EDB}"/>
               </a:ext>
             </a:extLst>
           </p:cNvPr>
@@ -290,7 +290,7 @@
           <p:cNvPr id="6" name="灯片编号占位符 5">
             <a:extLst>
               <a:ext uri="{FF2B5EF4-FFF2-40B4-BE49-F238E27FC236}">
-                <a16:creationId xmlns:a16="http://schemas.microsoft.com/office/drawing/2014/main" id="{6AC7BBB9-D942-BA9C-F686-E5EFD51F7B4C}"/>
+                <a16:creationId xmlns:a16="http://schemas.microsoft.com/office/drawing/2014/main" id="{FA17115F-879A-87DB-B772-E3591EC46EF2}"/>
               </a:ext>
             </a:extLst>
           </p:cNvPr>
@@ -306,7 +306,7 @@
           <a:bodyPr/>
           <a:lstStyle/>
           <a:p>
-            <a:fld id="{268DCC55-A34E-4BF9-802B-88922C49FAC4}" type="slidenum">
+            <a:fld id="{5D5DA5D1-DF2A-4FC9-BE48-C5A21FE0151F}" type="slidenum">
               <a:rPr lang="zh-CN" altLang="en-US" smtClean="0"/>
               <a:t>‹#›</a:t>
             </a:fld>
@@ -317,7 +317,7 @@
     </p:spTree>
     <p:extLst>
       <p:ext uri="{BB962C8B-B14F-4D97-AF65-F5344CB8AC3E}">
-        <p14:creationId xmlns:p14="http://schemas.microsoft.com/office/powerpoint/2010/main" val="1013674673"/>
+        <p14:creationId xmlns:p14="http://schemas.microsoft.com/office/powerpoint/2010/main" val="78015929"/>
       </p:ext>
     </p:extLst>
   </p:cSld>
@@ -349,7 +349,7 @@
           <p:cNvPr id="2" name="标题 1">
             <a:extLst>
               <a:ext uri="{FF2B5EF4-FFF2-40B4-BE49-F238E27FC236}">
-                <a16:creationId xmlns:a16="http://schemas.microsoft.com/office/drawing/2014/main" id="{682410D6-6EB3-DEAD-ABFC-4ED4FD12875E}"/>
+                <a16:creationId xmlns:a16="http://schemas.microsoft.com/office/drawing/2014/main" id="{3057E8CE-6C6F-3B34-DF8A-7190DB9DA93E}"/>
               </a:ext>
             </a:extLst>
           </p:cNvPr>
@@ -377,7 +377,7 @@
           <p:cNvPr id="3" name="竖排文字占位符 2">
             <a:extLst>
               <a:ext uri="{FF2B5EF4-FFF2-40B4-BE49-F238E27FC236}">
-                <a16:creationId xmlns:a16="http://schemas.microsoft.com/office/drawing/2014/main" id="{28570E98-66AC-B6C1-5176-2F878AD597E9}"/>
+                <a16:creationId xmlns:a16="http://schemas.microsoft.com/office/drawing/2014/main" id="{6A5C6D7C-461F-E7D4-87F1-45A8E7D99E46}"/>
               </a:ext>
             </a:extLst>
           </p:cNvPr>
@@ -434,7 +434,7 @@
           <p:cNvPr id="4" name="日期占位符 3">
             <a:extLst>
               <a:ext uri="{FF2B5EF4-FFF2-40B4-BE49-F238E27FC236}">
-                <a16:creationId xmlns:a16="http://schemas.microsoft.com/office/drawing/2014/main" id="{E0924041-E07C-5D78-4189-F461CEECA89C}"/>
+                <a16:creationId xmlns:a16="http://schemas.microsoft.com/office/drawing/2014/main" id="{AD06EF5B-9F87-2B42-5003-6FB695FFD6B4}"/>
               </a:ext>
             </a:extLst>
           </p:cNvPr>
@@ -450,7 +450,7 @@
           <a:bodyPr/>
           <a:lstStyle/>
           <a:p>
-            <a:fld id="{0FE7D270-B4D6-42E0-A749-EB949D0DEC6C}" type="datetimeFigureOut">
+            <a:fld id="{BFEDC7EF-CE9E-4573-A1DF-8DF5F106E494}" type="datetimeFigureOut">
               <a:rPr lang="zh-CN" altLang="en-US" smtClean="0"/>
               <a:t>2024/3/10</a:t>
             </a:fld>
@@ -463,7 +463,7 @@
           <p:cNvPr id="5" name="页脚占位符 4">
             <a:extLst>
               <a:ext uri="{FF2B5EF4-FFF2-40B4-BE49-F238E27FC236}">
-                <a16:creationId xmlns:a16="http://schemas.microsoft.com/office/drawing/2014/main" id="{EB47DC8E-F223-7DE3-B5E7-BB4F8D2BD1B8}"/>
+                <a16:creationId xmlns:a16="http://schemas.microsoft.com/office/drawing/2014/main" id="{A11E6AB0-8C2D-EE9D-6CF7-F2236897B948}"/>
               </a:ext>
             </a:extLst>
           </p:cNvPr>
@@ -488,7 +488,7 @@
           <p:cNvPr id="6" name="灯片编号占位符 5">
             <a:extLst>
               <a:ext uri="{FF2B5EF4-FFF2-40B4-BE49-F238E27FC236}">
-                <a16:creationId xmlns:a16="http://schemas.microsoft.com/office/drawing/2014/main" id="{09C1DF1C-5370-614D-FE6B-63DC94A88FDC}"/>
+                <a16:creationId xmlns:a16="http://schemas.microsoft.com/office/drawing/2014/main" id="{0887F48E-C76E-5B3D-F4B0-E90BE50AB654}"/>
               </a:ext>
             </a:extLst>
           </p:cNvPr>
@@ -504,7 +504,7 @@
           <a:bodyPr/>
           <a:lstStyle/>
           <a:p>
-            <a:fld id="{268DCC55-A34E-4BF9-802B-88922C49FAC4}" type="slidenum">
+            <a:fld id="{5D5DA5D1-DF2A-4FC9-BE48-C5A21FE0151F}" type="slidenum">
               <a:rPr lang="zh-CN" altLang="en-US" smtClean="0"/>
               <a:t>‹#›</a:t>
             </a:fld>
@@ -515,7 +515,7 @@
     </p:spTree>
     <p:extLst>
       <p:ext uri="{BB962C8B-B14F-4D97-AF65-F5344CB8AC3E}">
-        <p14:creationId xmlns:p14="http://schemas.microsoft.com/office/powerpoint/2010/main" val="3381678310"/>
+        <p14:creationId xmlns:p14="http://schemas.microsoft.com/office/powerpoint/2010/main" val="3251502272"/>
       </p:ext>
     </p:extLst>
   </p:cSld>
@@ -547,7 +547,7 @@
           <p:cNvPr id="2" name="竖排标题 1">
             <a:extLst>
               <a:ext uri="{FF2B5EF4-FFF2-40B4-BE49-F238E27FC236}">
-                <a16:creationId xmlns:a16="http://schemas.microsoft.com/office/drawing/2014/main" id="{654A3168-5C55-82A5-E904-8849C391B028}"/>
+                <a16:creationId xmlns:a16="http://schemas.microsoft.com/office/drawing/2014/main" id="{54B92537-1F14-D68D-9270-7C7F4391FE82}"/>
               </a:ext>
             </a:extLst>
           </p:cNvPr>
@@ -580,7 +580,7 @@
           <p:cNvPr id="3" name="竖排文字占位符 2">
             <a:extLst>
               <a:ext uri="{FF2B5EF4-FFF2-40B4-BE49-F238E27FC236}">
-                <a16:creationId xmlns:a16="http://schemas.microsoft.com/office/drawing/2014/main" id="{D56F1D5C-A314-ABC9-4B1F-30F4D73A1A98}"/>
+                <a16:creationId xmlns:a16="http://schemas.microsoft.com/office/drawing/2014/main" id="{BEF4C2A3-C483-D1BE-E905-5EEE9BD9E2B2}"/>
               </a:ext>
             </a:extLst>
           </p:cNvPr>
@@ -642,7 +642,7 @@
           <p:cNvPr id="4" name="日期占位符 3">
             <a:extLst>
               <a:ext uri="{FF2B5EF4-FFF2-40B4-BE49-F238E27FC236}">
-                <a16:creationId xmlns:a16="http://schemas.microsoft.com/office/drawing/2014/main" id="{920E1D2E-08DF-42A4-E8B2-56949DB0984A}"/>
+                <a16:creationId xmlns:a16="http://schemas.microsoft.com/office/drawing/2014/main" id="{28C4E375-9C11-FFA3-1579-86823D80606D}"/>
               </a:ext>
             </a:extLst>
           </p:cNvPr>
@@ -658,7 +658,7 @@
           <a:bodyPr/>
           <a:lstStyle/>
           <a:p>
-            <a:fld id="{0FE7D270-B4D6-42E0-A749-EB949D0DEC6C}" type="datetimeFigureOut">
+            <a:fld id="{BFEDC7EF-CE9E-4573-A1DF-8DF5F106E494}" type="datetimeFigureOut">
               <a:rPr lang="zh-CN" altLang="en-US" smtClean="0"/>
               <a:t>2024/3/10</a:t>
             </a:fld>
@@ -671,7 +671,7 @@
           <p:cNvPr id="5" name="页脚占位符 4">
             <a:extLst>
               <a:ext uri="{FF2B5EF4-FFF2-40B4-BE49-F238E27FC236}">
-                <a16:creationId xmlns:a16="http://schemas.microsoft.com/office/drawing/2014/main" id="{456C2C1B-C2F9-B1D2-9031-1917ABC65B8C}"/>
+                <a16:creationId xmlns:a16="http://schemas.microsoft.com/office/drawing/2014/main" id="{FB7ED912-5862-D798-D95F-C13BF6D784B7}"/>
               </a:ext>
             </a:extLst>
           </p:cNvPr>
@@ -696,7 +696,7 @@
           <p:cNvPr id="6" name="灯片编号占位符 5">
             <a:extLst>
               <a:ext uri="{FF2B5EF4-FFF2-40B4-BE49-F238E27FC236}">
-                <a16:creationId xmlns:a16="http://schemas.microsoft.com/office/drawing/2014/main" id="{387FCE4C-C47A-80E0-9409-5130E8FC4479}"/>
+                <a16:creationId xmlns:a16="http://schemas.microsoft.com/office/drawing/2014/main" id="{1461CFC2-A187-8833-8DF0-E8E95059BF0B}"/>
               </a:ext>
             </a:extLst>
           </p:cNvPr>
@@ -712,7 +712,7 @@
           <a:bodyPr/>
           <a:lstStyle/>
           <a:p>
-            <a:fld id="{268DCC55-A34E-4BF9-802B-88922C49FAC4}" type="slidenum">
+            <a:fld id="{5D5DA5D1-DF2A-4FC9-BE48-C5A21FE0151F}" type="slidenum">
               <a:rPr lang="zh-CN" altLang="en-US" smtClean="0"/>
               <a:t>‹#›</a:t>
             </a:fld>
@@ -723,7 +723,7 @@
     </p:spTree>
     <p:extLst>
       <p:ext uri="{BB962C8B-B14F-4D97-AF65-F5344CB8AC3E}">
-        <p14:creationId xmlns:p14="http://schemas.microsoft.com/office/powerpoint/2010/main" val="543198692"/>
+        <p14:creationId xmlns:p14="http://schemas.microsoft.com/office/powerpoint/2010/main" val="922043555"/>
       </p:ext>
     </p:extLst>
   </p:cSld>
@@ -755,7 +755,7 @@
           <p:cNvPr id="2" name="标题 1">
             <a:extLst>
               <a:ext uri="{FF2B5EF4-FFF2-40B4-BE49-F238E27FC236}">
-                <a16:creationId xmlns:a16="http://schemas.microsoft.com/office/drawing/2014/main" id="{488BA78E-1E10-14FC-E7D2-4FE958DA424A}"/>
+                <a16:creationId xmlns:a16="http://schemas.microsoft.com/office/drawing/2014/main" id="{7E049717-5379-FCDD-573A-128675AAD027}"/>
               </a:ext>
             </a:extLst>
           </p:cNvPr>
@@ -783,7 +783,7 @@
           <p:cNvPr id="3" name="内容占位符 2">
             <a:extLst>
               <a:ext uri="{FF2B5EF4-FFF2-40B4-BE49-F238E27FC236}">
-                <a16:creationId xmlns:a16="http://schemas.microsoft.com/office/drawing/2014/main" id="{243D306F-59AD-A9D9-4E5F-A9B20F318D6A}"/>
+                <a16:creationId xmlns:a16="http://schemas.microsoft.com/office/drawing/2014/main" id="{79245FAC-6CF3-87A9-44AA-0669C68AF860}"/>
               </a:ext>
             </a:extLst>
           </p:cNvPr>
@@ -840,7 +840,7 @@
           <p:cNvPr id="4" name="日期占位符 3">
             <a:extLst>
               <a:ext uri="{FF2B5EF4-FFF2-40B4-BE49-F238E27FC236}">
-                <a16:creationId xmlns:a16="http://schemas.microsoft.com/office/drawing/2014/main" id="{47406DFA-0D08-CE58-CB58-A4D6ED9DD16E}"/>
+                <a16:creationId xmlns:a16="http://schemas.microsoft.com/office/drawing/2014/main" id="{804A598C-FBEF-3918-7B28-E116CF741326}"/>
               </a:ext>
             </a:extLst>
           </p:cNvPr>
@@ -856,7 +856,7 @@
           <a:bodyPr/>
           <a:lstStyle/>
           <a:p>
-            <a:fld id="{0FE7D270-B4D6-42E0-A749-EB949D0DEC6C}" type="datetimeFigureOut">
+            <a:fld id="{BFEDC7EF-CE9E-4573-A1DF-8DF5F106E494}" type="datetimeFigureOut">
               <a:rPr lang="zh-CN" altLang="en-US" smtClean="0"/>
               <a:t>2024/3/10</a:t>
             </a:fld>
@@ -869,7 +869,7 @@
           <p:cNvPr id="5" name="页脚占位符 4">
             <a:extLst>
               <a:ext uri="{FF2B5EF4-FFF2-40B4-BE49-F238E27FC236}">
-                <a16:creationId xmlns:a16="http://schemas.microsoft.com/office/drawing/2014/main" id="{729E6A9B-3507-DF65-6D68-7B4A960D6A0F}"/>
+                <a16:creationId xmlns:a16="http://schemas.microsoft.com/office/drawing/2014/main" id="{D96BE6FD-0B48-75DC-ED38-21F462AD14E4}"/>
               </a:ext>
             </a:extLst>
           </p:cNvPr>
@@ -894,7 +894,7 @@
           <p:cNvPr id="6" name="灯片编号占位符 5">
             <a:extLst>
               <a:ext uri="{FF2B5EF4-FFF2-40B4-BE49-F238E27FC236}">
-                <a16:creationId xmlns:a16="http://schemas.microsoft.com/office/drawing/2014/main" id="{12A277D6-0763-C4E5-B1CB-D1A74D94046D}"/>
+                <a16:creationId xmlns:a16="http://schemas.microsoft.com/office/drawing/2014/main" id="{EB2D098D-ABEA-052F-B66C-0F5BE224D3FE}"/>
               </a:ext>
             </a:extLst>
           </p:cNvPr>
@@ -910,7 +910,7 @@
           <a:bodyPr/>
           <a:lstStyle/>
           <a:p>
-            <a:fld id="{268DCC55-A34E-4BF9-802B-88922C49FAC4}" type="slidenum">
+            <a:fld id="{5D5DA5D1-DF2A-4FC9-BE48-C5A21FE0151F}" type="slidenum">
               <a:rPr lang="zh-CN" altLang="en-US" smtClean="0"/>
               <a:t>‹#›</a:t>
             </a:fld>
@@ -921,7 +921,7 @@
     </p:spTree>
     <p:extLst>
       <p:ext uri="{BB962C8B-B14F-4D97-AF65-F5344CB8AC3E}">
-        <p14:creationId xmlns:p14="http://schemas.microsoft.com/office/powerpoint/2010/main" val="3674643262"/>
+        <p14:creationId xmlns:p14="http://schemas.microsoft.com/office/powerpoint/2010/main" val="196801234"/>
       </p:ext>
     </p:extLst>
   </p:cSld>
@@ -953,7 +953,7 @@
           <p:cNvPr id="2" name="标题 1">
             <a:extLst>
               <a:ext uri="{FF2B5EF4-FFF2-40B4-BE49-F238E27FC236}">
-                <a16:creationId xmlns:a16="http://schemas.microsoft.com/office/drawing/2014/main" id="{A113F3EE-D6AD-2CA5-2FC1-16E58D8CBFB8}"/>
+                <a16:creationId xmlns:a16="http://schemas.microsoft.com/office/drawing/2014/main" id="{C0126BD6-42F9-1370-2724-2143799F0DC4}"/>
               </a:ext>
             </a:extLst>
           </p:cNvPr>
@@ -990,7 +990,7 @@
           <p:cNvPr id="3" name="文本占位符 2">
             <a:extLst>
               <a:ext uri="{FF2B5EF4-FFF2-40B4-BE49-F238E27FC236}">
-                <a16:creationId xmlns:a16="http://schemas.microsoft.com/office/drawing/2014/main" id="{299B96E9-F86A-C09F-ADBE-D3AD5A4529F8}"/>
+                <a16:creationId xmlns:a16="http://schemas.microsoft.com/office/drawing/2014/main" id="{412D3A6E-B0C5-2778-585D-ACFDFF04DF89}"/>
               </a:ext>
             </a:extLst>
           </p:cNvPr>
@@ -1115,7 +1115,7 @@
           <p:cNvPr id="4" name="日期占位符 3">
             <a:extLst>
               <a:ext uri="{FF2B5EF4-FFF2-40B4-BE49-F238E27FC236}">
-                <a16:creationId xmlns:a16="http://schemas.microsoft.com/office/drawing/2014/main" id="{4E640F89-0700-8B91-9E68-2003E57188E2}"/>
+                <a16:creationId xmlns:a16="http://schemas.microsoft.com/office/drawing/2014/main" id="{BD48500F-A678-92EE-7A50-D187C282C55F}"/>
               </a:ext>
             </a:extLst>
           </p:cNvPr>
@@ -1131,7 +1131,7 @@
           <a:bodyPr/>
           <a:lstStyle/>
           <a:p>
-            <a:fld id="{0FE7D270-B4D6-42E0-A749-EB949D0DEC6C}" type="datetimeFigureOut">
+            <a:fld id="{BFEDC7EF-CE9E-4573-A1DF-8DF5F106E494}" type="datetimeFigureOut">
               <a:rPr lang="zh-CN" altLang="en-US" smtClean="0"/>
               <a:t>2024/3/10</a:t>
             </a:fld>
@@ -1144,7 +1144,7 @@
           <p:cNvPr id="5" name="页脚占位符 4">
             <a:extLst>
               <a:ext uri="{FF2B5EF4-FFF2-40B4-BE49-F238E27FC236}">
-                <a16:creationId xmlns:a16="http://schemas.microsoft.com/office/drawing/2014/main" id="{9F681272-D153-5B10-3E98-945215627A77}"/>
+                <a16:creationId xmlns:a16="http://schemas.microsoft.com/office/drawing/2014/main" id="{4551D124-547A-6850-DA6E-2FF8F3A90E29}"/>
               </a:ext>
             </a:extLst>
           </p:cNvPr>
@@ -1169,7 +1169,7 @@
           <p:cNvPr id="6" name="灯片编号占位符 5">
             <a:extLst>
               <a:ext uri="{FF2B5EF4-FFF2-40B4-BE49-F238E27FC236}">
-                <a16:creationId xmlns:a16="http://schemas.microsoft.com/office/drawing/2014/main" id="{5848FD87-3BFD-86DD-EA91-AC1C96F8CE7D}"/>
+                <a16:creationId xmlns:a16="http://schemas.microsoft.com/office/drawing/2014/main" id="{C271B84D-DB1C-36D0-DCE9-2C52DDE636CF}"/>
               </a:ext>
             </a:extLst>
           </p:cNvPr>
@@ -1185,7 +1185,7 @@
           <a:bodyPr/>
           <a:lstStyle/>
           <a:p>
-            <a:fld id="{268DCC55-A34E-4BF9-802B-88922C49FAC4}" type="slidenum">
+            <a:fld id="{5D5DA5D1-DF2A-4FC9-BE48-C5A21FE0151F}" type="slidenum">
               <a:rPr lang="zh-CN" altLang="en-US" smtClean="0"/>
               <a:t>‹#›</a:t>
             </a:fld>
@@ -1196,7 +1196,7 @@
     </p:spTree>
     <p:extLst>
       <p:ext uri="{BB962C8B-B14F-4D97-AF65-F5344CB8AC3E}">
-        <p14:creationId xmlns:p14="http://schemas.microsoft.com/office/powerpoint/2010/main" val="3276959544"/>
+        <p14:creationId xmlns:p14="http://schemas.microsoft.com/office/powerpoint/2010/main" val="1192515228"/>
       </p:ext>
     </p:extLst>
   </p:cSld>
@@ -1228,7 +1228,7 @@
           <p:cNvPr id="2" name="标题 1">
             <a:extLst>
               <a:ext uri="{FF2B5EF4-FFF2-40B4-BE49-F238E27FC236}">
-                <a16:creationId xmlns:a16="http://schemas.microsoft.com/office/drawing/2014/main" id="{AEA1F082-2D66-28CA-30C4-F1F5C0BC6A30}"/>
+                <a16:creationId xmlns:a16="http://schemas.microsoft.com/office/drawing/2014/main" id="{133B537B-98F5-376C-9085-32E56CA7B447}"/>
               </a:ext>
             </a:extLst>
           </p:cNvPr>
@@ -1256,7 +1256,7 @@
           <p:cNvPr id="3" name="内容占位符 2">
             <a:extLst>
               <a:ext uri="{FF2B5EF4-FFF2-40B4-BE49-F238E27FC236}">
-                <a16:creationId xmlns:a16="http://schemas.microsoft.com/office/drawing/2014/main" id="{0D1FF638-66DC-76F0-5C1A-29384EB396BD}"/>
+                <a16:creationId xmlns:a16="http://schemas.microsoft.com/office/drawing/2014/main" id="{C254AEF2-BC74-08FE-A610-6B6F580CEABB}"/>
               </a:ext>
             </a:extLst>
           </p:cNvPr>
@@ -1318,7 +1318,7 @@
           <p:cNvPr id="4" name="内容占位符 3">
             <a:extLst>
               <a:ext uri="{FF2B5EF4-FFF2-40B4-BE49-F238E27FC236}">
-                <a16:creationId xmlns:a16="http://schemas.microsoft.com/office/drawing/2014/main" id="{DC646921-7FEB-B20E-F109-771E9EBBD650}"/>
+                <a16:creationId xmlns:a16="http://schemas.microsoft.com/office/drawing/2014/main" id="{0C9D5C18-44DA-0B6F-5E92-2518E04DBE96}"/>
               </a:ext>
             </a:extLst>
           </p:cNvPr>
@@ -1380,7 +1380,7 @@
           <p:cNvPr id="5" name="日期占位符 4">
             <a:extLst>
               <a:ext uri="{FF2B5EF4-FFF2-40B4-BE49-F238E27FC236}">
-                <a16:creationId xmlns:a16="http://schemas.microsoft.com/office/drawing/2014/main" id="{529EC364-6998-67EB-0A1E-DEFFD421C02F}"/>
+                <a16:creationId xmlns:a16="http://schemas.microsoft.com/office/drawing/2014/main" id="{AA4C3BBA-A59C-233E-82CC-25F605E2E43F}"/>
               </a:ext>
             </a:extLst>
           </p:cNvPr>
@@ -1396,7 +1396,7 @@
           <a:bodyPr/>
           <a:lstStyle/>
           <a:p>
-            <a:fld id="{0FE7D270-B4D6-42E0-A749-EB949D0DEC6C}" type="datetimeFigureOut">
+            <a:fld id="{BFEDC7EF-CE9E-4573-A1DF-8DF5F106E494}" type="datetimeFigureOut">
               <a:rPr lang="zh-CN" altLang="en-US" smtClean="0"/>
               <a:t>2024/3/10</a:t>
             </a:fld>
@@ -1409,7 +1409,7 @@
           <p:cNvPr id="6" name="页脚占位符 5">
             <a:extLst>
               <a:ext uri="{FF2B5EF4-FFF2-40B4-BE49-F238E27FC236}">
-                <a16:creationId xmlns:a16="http://schemas.microsoft.com/office/drawing/2014/main" id="{FBB72B42-632B-D660-6FC1-E8C068A69F98}"/>
+                <a16:creationId xmlns:a16="http://schemas.microsoft.com/office/drawing/2014/main" id="{4ABBE87A-945B-65CC-225D-6D4760F575C9}"/>
               </a:ext>
             </a:extLst>
           </p:cNvPr>
@@ -1434,7 +1434,7 @@
           <p:cNvPr id="7" name="灯片编号占位符 6">
             <a:extLst>
               <a:ext uri="{FF2B5EF4-FFF2-40B4-BE49-F238E27FC236}">
-                <a16:creationId xmlns:a16="http://schemas.microsoft.com/office/drawing/2014/main" id="{BCB322F9-6AFB-5304-5CD7-51D06F1E3C94}"/>
+                <a16:creationId xmlns:a16="http://schemas.microsoft.com/office/drawing/2014/main" id="{120CD536-17E2-4010-5D90-3892BC9627E6}"/>
               </a:ext>
             </a:extLst>
           </p:cNvPr>
@@ -1450,7 +1450,7 @@
           <a:bodyPr/>
           <a:lstStyle/>
           <a:p>
-            <a:fld id="{268DCC55-A34E-4BF9-802B-88922C49FAC4}" type="slidenum">
+            <a:fld id="{5D5DA5D1-DF2A-4FC9-BE48-C5A21FE0151F}" type="slidenum">
               <a:rPr lang="zh-CN" altLang="en-US" smtClean="0"/>
               <a:t>‹#›</a:t>
             </a:fld>
@@ -1461,7 +1461,7 @@
     </p:spTree>
     <p:extLst>
       <p:ext uri="{BB962C8B-B14F-4D97-AF65-F5344CB8AC3E}">
-        <p14:creationId xmlns:p14="http://schemas.microsoft.com/office/powerpoint/2010/main" val="1643116087"/>
+        <p14:creationId xmlns:p14="http://schemas.microsoft.com/office/powerpoint/2010/main" val="3052491431"/>
       </p:ext>
     </p:extLst>
   </p:cSld>
@@ -1493,7 +1493,7 @@
           <p:cNvPr id="2" name="标题 1">
             <a:extLst>
               <a:ext uri="{FF2B5EF4-FFF2-40B4-BE49-F238E27FC236}">
-                <a16:creationId xmlns:a16="http://schemas.microsoft.com/office/drawing/2014/main" id="{A6ED9F18-4A4A-7026-669D-9E53BECBE976}"/>
+                <a16:creationId xmlns:a16="http://schemas.microsoft.com/office/drawing/2014/main" id="{091C2DA5-28FC-0A70-6871-645FB7839472}"/>
               </a:ext>
             </a:extLst>
           </p:cNvPr>
@@ -1526,7 +1526,7 @@
           <p:cNvPr id="3" name="文本占位符 2">
             <a:extLst>
               <a:ext uri="{FF2B5EF4-FFF2-40B4-BE49-F238E27FC236}">
-                <a16:creationId xmlns:a16="http://schemas.microsoft.com/office/drawing/2014/main" id="{80B82F6A-9E0F-2E8C-8175-0F3C669A8A9B}"/>
+                <a16:creationId xmlns:a16="http://schemas.microsoft.com/office/drawing/2014/main" id="{3C2C2EB8-05E2-86A1-F563-F24233F0F0E9}"/>
               </a:ext>
             </a:extLst>
           </p:cNvPr>
@@ -1597,7 +1597,7 @@
           <p:cNvPr id="4" name="内容占位符 3">
             <a:extLst>
               <a:ext uri="{FF2B5EF4-FFF2-40B4-BE49-F238E27FC236}">
-                <a16:creationId xmlns:a16="http://schemas.microsoft.com/office/drawing/2014/main" id="{653A237B-4B79-AE05-1213-F3830E8C135A}"/>
+                <a16:creationId xmlns:a16="http://schemas.microsoft.com/office/drawing/2014/main" id="{61D999FC-E17D-2036-5F2D-7E7A3835C40A}"/>
               </a:ext>
             </a:extLst>
           </p:cNvPr>
@@ -1659,7 +1659,7 @@
           <p:cNvPr id="5" name="文本占位符 4">
             <a:extLst>
               <a:ext uri="{FF2B5EF4-FFF2-40B4-BE49-F238E27FC236}">
-                <a16:creationId xmlns:a16="http://schemas.microsoft.com/office/drawing/2014/main" id="{7F00DD87-BB7A-81E2-7FD5-DC7CEA1947C6}"/>
+                <a16:creationId xmlns:a16="http://schemas.microsoft.com/office/drawing/2014/main" id="{3E01B3EC-6B1B-AE68-6CE8-3CF55DE8B610}"/>
               </a:ext>
             </a:extLst>
           </p:cNvPr>
@@ -1730,7 +1730,7 @@
           <p:cNvPr id="6" name="内容占位符 5">
             <a:extLst>
               <a:ext uri="{FF2B5EF4-FFF2-40B4-BE49-F238E27FC236}">
-                <a16:creationId xmlns:a16="http://schemas.microsoft.com/office/drawing/2014/main" id="{D67D8FAE-101A-DFBA-257B-9F8D5200403E}"/>
+                <a16:creationId xmlns:a16="http://schemas.microsoft.com/office/drawing/2014/main" id="{8D408656-8AFC-74BD-5558-62E7CED78A4D}"/>
               </a:ext>
             </a:extLst>
           </p:cNvPr>
@@ -1792,7 +1792,7 @@
           <p:cNvPr id="7" name="日期占位符 6">
             <a:extLst>
               <a:ext uri="{FF2B5EF4-FFF2-40B4-BE49-F238E27FC236}">
-                <a16:creationId xmlns:a16="http://schemas.microsoft.com/office/drawing/2014/main" id="{0DF5D1C0-D0BA-E4A8-44B3-276316A611BC}"/>
+                <a16:creationId xmlns:a16="http://schemas.microsoft.com/office/drawing/2014/main" id="{C358F4F2-9B0F-A501-8102-F3E3AD0AE13F}"/>
               </a:ext>
             </a:extLst>
           </p:cNvPr>
@@ -1808,7 +1808,7 @@
           <a:bodyPr/>
           <a:lstStyle/>
           <a:p>
-            <a:fld id="{0FE7D270-B4D6-42E0-A749-EB949D0DEC6C}" type="datetimeFigureOut">
+            <a:fld id="{BFEDC7EF-CE9E-4573-A1DF-8DF5F106E494}" type="datetimeFigureOut">
               <a:rPr lang="zh-CN" altLang="en-US" smtClean="0"/>
               <a:t>2024/3/10</a:t>
             </a:fld>
@@ -1821,7 +1821,7 @@
           <p:cNvPr id="8" name="页脚占位符 7">
             <a:extLst>
               <a:ext uri="{FF2B5EF4-FFF2-40B4-BE49-F238E27FC236}">
-                <a16:creationId xmlns:a16="http://schemas.microsoft.com/office/drawing/2014/main" id="{8594E0BC-B3FA-8F4C-1FA5-0A2EAB4291D0}"/>
+                <a16:creationId xmlns:a16="http://schemas.microsoft.com/office/drawing/2014/main" id="{A3EB8C71-0588-0565-582A-4A86F1EC732A}"/>
               </a:ext>
             </a:extLst>
           </p:cNvPr>
@@ -1846,7 +1846,7 @@
           <p:cNvPr id="9" name="灯片编号占位符 8">
             <a:extLst>
               <a:ext uri="{FF2B5EF4-FFF2-40B4-BE49-F238E27FC236}">
-                <a16:creationId xmlns:a16="http://schemas.microsoft.com/office/drawing/2014/main" id="{6F163B99-D12C-A9CE-FE49-6C8507CC9E23}"/>
+                <a16:creationId xmlns:a16="http://schemas.microsoft.com/office/drawing/2014/main" id="{622A2976-163A-394D-3150-929749E5F351}"/>
               </a:ext>
             </a:extLst>
           </p:cNvPr>
@@ -1862,7 +1862,7 @@
           <a:bodyPr/>
           <a:lstStyle/>
           <a:p>
-            <a:fld id="{268DCC55-A34E-4BF9-802B-88922C49FAC4}" type="slidenum">
+            <a:fld id="{5D5DA5D1-DF2A-4FC9-BE48-C5A21FE0151F}" type="slidenum">
               <a:rPr lang="zh-CN" altLang="en-US" smtClean="0"/>
               <a:t>‹#›</a:t>
             </a:fld>
@@ -1873,7 +1873,7 @@
     </p:spTree>
     <p:extLst>
       <p:ext uri="{BB962C8B-B14F-4D97-AF65-F5344CB8AC3E}">
-        <p14:creationId xmlns:p14="http://schemas.microsoft.com/office/powerpoint/2010/main" val="4136415666"/>
+        <p14:creationId xmlns:p14="http://schemas.microsoft.com/office/powerpoint/2010/main" val="470366720"/>
       </p:ext>
     </p:extLst>
   </p:cSld>
@@ -1905,7 +1905,7 @@
           <p:cNvPr id="2" name="标题 1">
             <a:extLst>
               <a:ext uri="{FF2B5EF4-FFF2-40B4-BE49-F238E27FC236}">
-                <a16:creationId xmlns:a16="http://schemas.microsoft.com/office/drawing/2014/main" id="{EDEABBD0-1A9B-8536-EDF7-97677081A1B0}"/>
+                <a16:creationId xmlns:a16="http://schemas.microsoft.com/office/drawing/2014/main" id="{E9B50706-AE5C-673A-DB7A-46E31EBB0116}"/>
               </a:ext>
             </a:extLst>
           </p:cNvPr>
@@ -1933,7 +1933,7 @@
           <p:cNvPr id="3" name="日期占位符 2">
             <a:extLst>
               <a:ext uri="{FF2B5EF4-FFF2-40B4-BE49-F238E27FC236}">
-                <a16:creationId xmlns:a16="http://schemas.microsoft.com/office/drawing/2014/main" id="{25E7319F-0393-4538-949E-9B53E46239F1}"/>
+                <a16:creationId xmlns:a16="http://schemas.microsoft.com/office/drawing/2014/main" id="{B94AFAC8-3BF2-FCFC-0FF1-2A58E4EEEFD7}"/>
               </a:ext>
             </a:extLst>
           </p:cNvPr>
@@ -1949,7 +1949,7 @@
           <a:bodyPr/>
           <a:lstStyle/>
           <a:p>
-            <a:fld id="{0FE7D270-B4D6-42E0-A749-EB949D0DEC6C}" type="datetimeFigureOut">
+            <a:fld id="{BFEDC7EF-CE9E-4573-A1DF-8DF5F106E494}" type="datetimeFigureOut">
               <a:rPr lang="zh-CN" altLang="en-US" smtClean="0"/>
               <a:t>2024/3/10</a:t>
             </a:fld>
@@ -1962,7 +1962,7 @@
           <p:cNvPr id="4" name="页脚占位符 3">
             <a:extLst>
               <a:ext uri="{FF2B5EF4-FFF2-40B4-BE49-F238E27FC236}">
-                <a16:creationId xmlns:a16="http://schemas.microsoft.com/office/drawing/2014/main" id="{73839B7A-8094-BC6F-8C18-AB7FFD8CF3E7}"/>
+                <a16:creationId xmlns:a16="http://schemas.microsoft.com/office/drawing/2014/main" id="{9E8FC8D0-F581-29D8-881A-F7F09A96FE27}"/>
               </a:ext>
             </a:extLst>
           </p:cNvPr>
@@ -1987,7 +1987,7 @@
           <p:cNvPr id="5" name="灯片编号占位符 4">
             <a:extLst>
               <a:ext uri="{FF2B5EF4-FFF2-40B4-BE49-F238E27FC236}">
-                <a16:creationId xmlns:a16="http://schemas.microsoft.com/office/drawing/2014/main" id="{F0CE2CD4-F079-4235-1CAD-54B782E1EB44}"/>
+                <a16:creationId xmlns:a16="http://schemas.microsoft.com/office/drawing/2014/main" id="{8BF295F1-63E7-9F6C-EF11-41C64302459E}"/>
               </a:ext>
             </a:extLst>
           </p:cNvPr>
@@ -2003,7 +2003,7 @@
           <a:bodyPr/>
           <a:lstStyle/>
           <a:p>
-            <a:fld id="{268DCC55-A34E-4BF9-802B-88922C49FAC4}" type="slidenum">
+            <a:fld id="{5D5DA5D1-DF2A-4FC9-BE48-C5A21FE0151F}" type="slidenum">
               <a:rPr lang="zh-CN" altLang="en-US" smtClean="0"/>
               <a:t>‹#›</a:t>
             </a:fld>
@@ -2014,7 +2014,7 @@
     </p:spTree>
     <p:extLst>
       <p:ext uri="{BB962C8B-B14F-4D97-AF65-F5344CB8AC3E}">
-        <p14:creationId xmlns:p14="http://schemas.microsoft.com/office/powerpoint/2010/main" val="3368732453"/>
+        <p14:creationId xmlns:p14="http://schemas.microsoft.com/office/powerpoint/2010/main" val="1607663605"/>
       </p:ext>
     </p:extLst>
   </p:cSld>
@@ -2046,7 +2046,7 @@
           <p:cNvPr id="2" name="日期占位符 1">
             <a:extLst>
               <a:ext uri="{FF2B5EF4-FFF2-40B4-BE49-F238E27FC236}">
-                <a16:creationId xmlns:a16="http://schemas.microsoft.com/office/drawing/2014/main" id="{1C97C1D9-84EE-E105-BC10-93E6CE8052FA}"/>
+                <a16:creationId xmlns:a16="http://schemas.microsoft.com/office/drawing/2014/main" id="{5CB467E9-9367-FF1C-B3D5-5150971797DA}"/>
               </a:ext>
             </a:extLst>
           </p:cNvPr>
@@ -2062,7 +2062,7 @@
           <a:bodyPr/>
           <a:lstStyle/>
           <a:p>
-            <a:fld id="{0FE7D270-B4D6-42E0-A749-EB949D0DEC6C}" type="datetimeFigureOut">
+            <a:fld id="{BFEDC7EF-CE9E-4573-A1DF-8DF5F106E494}" type="datetimeFigureOut">
               <a:rPr lang="zh-CN" altLang="en-US" smtClean="0"/>
               <a:t>2024/3/10</a:t>
             </a:fld>
@@ -2075,7 +2075,7 @@
           <p:cNvPr id="3" name="页脚占位符 2">
             <a:extLst>
               <a:ext uri="{FF2B5EF4-FFF2-40B4-BE49-F238E27FC236}">
-                <a16:creationId xmlns:a16="http://schemas.microsoft.com/office/drawing/2014/main" id="{75C22476-7E97-6FBF-F7E3-9091F915C539}"/>
+                <a16:creationId xmlns:a16="http://schemas.microsoft.com/office/drawing/2014/main" id="{B1BFBB0F-CCB4-DB16-A05C-73626396BE83}"/>
               </a:ext>
             </a:extLst>
           </p:cNvPr>
@@ -2100,7 +2100,7 @@
           <p:cNvPr id="4" name="灯片编号占位符 3">
             <a:extLst>
               <a:ext uri="{FF2B5EF4-FFF2-40B4-BE49-F238E27FC236}">
-                <a16:creationId xmlns:a16="http://schemas.microsoft.com/office/drawing/2014/main" id="{90279B52-A645-BC77-0CE3-E8E52AB48FB8}"/>
+                <a16:creationId xmlns:a16="http://schemas.microsoft.com/office/drawing/2014/main" id="{337F3FAA-F297-0739-D70B-AC1D8EF8664C}"/>
               </a:ext>
             </a:extLst>
           </p:cNvPr>
@@ -2116,7 +2116,7 @@
           <a:bodyPr/>
           <a:lstStyle/>
           <a:p>
-            <a:fld id="{268DCC55-A34E-4BF9-802B-88922C49FAC4}" type="slidenum">
+            <a:fld id="{5D5DA5D1-DF2A-4FC9-BE48-C5A21FE0151F}" type="slidenum">
               <a:rPr lang="zh-CN" altLang="en-US" smtClean="0"/>
               <a:t>‹#›</a:t>
             </a:fld>
@@ -2127,7 +2127,7 @@
     </p:spTree>
     <p:extLst>
       <p:ext uri="{BB962C8B-B14F-4D97-AF65-F5344CB8AC3E}">
-        <p14:creationId xmlns:p14="http://schemas.microsoft.com/office/powerpoint/2010/main" val="99329578"/>
+        <p14:creationId xmlns:p14="http://schemas.microsoft.com/office/powerpoint/2010/main" val="3238604431"/>
       </p:ext>
     </p:extLst>
   </p:cSld>
@@ -2159,7 +2159,7 @@
           <p:cNvPr id="2" name="标题 1">
             <a:extLst>
               <a:ext uri="{FF2B5EF4-FFF2-40B4-BE49-F238E27FC236}">
-                <a16:creationId xmlns:a16="http://schemas.microsoft.com/office/drawing/2014/main" id="{21BB5D78-C19D-97D4-C4E5-CC909097BB51}"/>
+                <a16:creationId xmlns:a16="http://schemas.microsoft.com/office/drawing/2014/main" id="{85B55D72-87DA-DFE6-7F31-0141AF47B86B}"/>
               </a:ext>
             </a:extLst>
           </p:cNvPr>
@@ -2196,7 +2196,7 @@
           <p:cNvPr id="3" name="内容占位符 2">
             <a:extLst>
               <a:ext uri="{FF2B5EF4-FFF2-40B4-BE49-F238E27FC236}">
-                <a16:creationId xmlns:a16="http://schemas.microsoft.com/office/drawing/2014/main" id="{25CEC336-31AA-765D-0E4B-60C31B6F9E8A}"/>
+                <a16:creationId xmlns:a16="http://schemas.microsoft.com/office/drawing/2014/main" id="{7C5C5A81-95F3-70FC-1D19-BE8E285D44DA}"/>
               </a:ext>
             </a:extLst>
           </p:cNvPr>
@@ -2286,7 +2286,7 @@
           <p:cNvPr id="4" name="文本占位符 3">
             <a:extLst>
               <a:ext uri="{FF2B5EF4-FFF2-40B4-BE49-F238E27FC236}">
-                <a16:creationId xmlns:a16="http://schemas.microsoft.com/office/drawing/2014/main" id="{30D6F693-2081-A317-9C48-6CFD0BFBBE52}"/>
+                <a16:creationId xmlns:a16="http://schemas.microsoft.com/office/drawing/2014/main" id="{AB9C0041-5D2A-312B-EFFF-4F18FF25A7FE}"/>
               </a:ext>
             </a:extLst>
           </p:cNvPr>
@@ -2357,7 +2357,7 @@
           <p:cNvPr id="5" name="日期占位符 4">
             <a:extLst>
               <a:ext uri="{FF2B5EF4-FFF2-40B4-BE49-F238E27FC236}">
-                <a16:creationId xmlns:a16="http://schemas.microsoft.com/office/drawing/2014/main" id="{653B3E14-1ADD-2ADC-1D5C-C15957DC81D9}"/>
+                <a16:creationId xmlns:a16="http://schemas.microsoft.com/office/drawing/2014/main" id="{4FEB19E7-08D9-5846-DCAD-9311A1F62F76}"/>
               </a:ext>
             </a:extLst>
           </p:cNvPr>
@@ -2373,7 +2373,7 @@
           <a:bodyPr/>
           <a:lstStyle/>
           <a:p>
-            <a:fld id="{0FE7D270-B4D6-42E0-A749-EB949D0DEC6C}" type="datetimeFigureOut">
+            <a:fld id="{BFEDC7EF-CE9E-4573-A1DF-8DF5F106E494}" type="datetimeFigureOut">
               <a:rPr lang="zh-CN" altLang="en-US" smtClean="0"/>
               <a:t>2024/3/10</a:t>
             </a:fld>
@@ -2386,7 +2386,7 @@
           <p:cNvPr id="6" name="页脚占位符 5">
             <a:extLst>
               <a:ext uri="{FF2B5EF4-FFF2-40B4-BE49-F238E27FC236}">
-                <a16:creationId xmlns:a16="http://schemas.microsoft.com/office/drawing/2014/main" id="{56DEA6D0-DB88-B04C-7429-9F1F5515C391}"/>
+                <a16:creationId xmlns:a16="http://schemas.microsoft.com/office/drawing/2014/main" id="{1040BFA1-F2CA-D764-D2A4-78C53287E177}"/>
               </a:ext>
             </a:extLst>
           </p:cNvPr>
@@ -2411,7 +2411,7 @@
           <p:cNvPr id="7" name="灯片编号占位符 6">
             <a:extLst>
               <a:ext uri="{FF2B5EF4-FFF2-40B4-BE49-F238E27FC236}">
-                <a16:creationId xmlns:a16="http://schemas.microsoft.com/office/drawing/2014/main" id="{D0FFE476-42F7-9959-F5CD-6C37AD989E8C}"/>
+                <a16:creationId xmlns:a16="http://schemas.microsoft.com/office/drawing/2014/main" id="{E3A5E8C5-82F2-A4DD-230B-AFA668AAAB8D}"/>
               </a:ext>
             </a:extLst>
           </p:cNvPr>
@@ -2427,7 +2427,7 @@
           <a:bodyPr/>
           <a:lstStyle/>
           <a:p>
-            <a:fld id="{268DCC55-A34E-4BF9-802B-88922C49FAC4}" type="slidenum">
+            <a:fld id="{5D5DA5D1-DF2A-4FC9-BE48-C5A21FE0151F}" type="slidenum">
               <a:rPr lang="zh-CN" altLang="en-US" smtClean="0"/>
               <a:t>‹#›</a:t>
             </a:fld>
@@ -2438,7 +2438,7 @@
     </p:spTree>
     <p:extLst>
       <p:ext uri="{BB962C8B-B14F-4D97-AF65-F5344CB8AC3E}">
-        <p14:creationId xmlns:p14="http://schemas.microsoft.com/office/powerpoint/2010/main" val="3486645388"/>
+        <p14:creationId xmlns:p14="http://schemas.microsoft.com/office/powerpoint/2010/main" val="3880857246"/>
       </p:ext>
     </p:extLst>
   </p:cSld>
@@ -2470,7 +2470,7 @@
           <p:cNvPr id="2" name="标题 1">
             <a:extLst>
               <a:ext uri="{FF2B5EF4-FFF2-40B4-BE49-F238E27FC236}">
-                <a16:creationId xmlns:a16="http://schemas.microsoft.com/office/drawing/2014/main" id="{4534E9C9-F31F-0012-2FC3-3BB59D2C9B8F}"/>
+                <a16:creationId xmlns:a16="http://schemas.microsoft.com/office/drawing/2014/main" id="{8CAF07E9-9B9B-CB1B-9DC2-5A0BBA5D4BA6}"/>
               </a:ext>
             </a:extLst>
           </p:cNvPr>
@@ -2507,7 +2507,7 @@
           <p:cNvPr id="3" name="图片占位符 2">
             <a:extLst>
               <a:ext uri="{FF2B5EF4-FFF2-40B4-BE49-F238E27FC236}">
-                <a16:creationId xmlns:a16="http://schemas.microsoft.com/office/drawing/2014/main" id="{376E8732-1F07-65C2-BAE0-210336E8DCAF}"/>
+                <a16:creationId xmlns:a16="http://schemas.microsoft.com/office/drawing/2014/main" id="{9480E294-6F00-9459-F54D-9A5788FF98F2}"/>
               </a:ext>
             </a:extLst>
           </p:cNvPr>
@@ -2574,7 +2574,7 @@
           <p:cNvPr id="4" name="文本占位符 3">
             <a:extLst>
               <a:ext uri="{FF2B5EF4-FFF2-40B4-BE49-F238E27FC236}">
-                <a16:creationId xmlns:a16="http://schemas.microsoft.com/office/drawing/2014/main" id="{6DA34E09-DB43-562F-9B75-6281A545B219}"/>
+                <a16:creationId xmlns:a16="http://schemas.microsoft.com/office/drawing/2014/main" id="{C39AB030-70C4-981C-7AA7-B85DF217B965}"/>
               </a:ext>
             </a:extLst>
           </p:cNvPr>
@@ -2645,7 +2645,7 @@
           <p:cNvPr id="5" name="日期占位符 4">
             <a:extLst>
               <a:ext uri="{FF2B5EF4-FFF2-40B4-BE49-F238E27FC236}">
-                <a16:creationId xmlns:a16="http://schemas.microsoft.com/office/drawing/2014/main" id="{7362DE13-6DB7-16C5-C574-783BAE30B723}"/>
+                <a16:creationId xmlns:a16="http://schemas.microsoft.com/office/drawing/2014/main" id="{E51D5177-B658-E49B-F5EB-1E0934F0B3AD}"/>
               </a:ext>
             </a:extLst>
           </p:cNvPr>
@@ -2661,7 +2661,7 @@
           <a:bodyPr/>
           <a:lstStyle/>
           <a:p>
-            <a:fld id="{0FE7D270-B4D6-42E0-A749-EB949D0DEC6C}" type="datetimeFigureOut">
+            <a:fld id="{BFEDC7EF-CE9E-4573-A1DF-8DF5F106E494}" type="datetimeFigureOut">
               <a:rPr lang="zh-CN" altLang="en-US" smtClean="0"/>
               <a:t>2024/3/10</a:t>
             </a:fld>
@@ -2674,7 +2674,7 @@
           <p:cNvPr id="6" name="页脚占位符 5">
             <a:extLst>
               <a:ext uri="{FF2B5EF4-FFF2-40B4-BE49-F238E27FC236}">
-                <a16:creationId xmlns:a16="http://schemas.microsoft.com/office/drawing/2014/main" id="{10615982-CDDB-A367-87AE-5B72AA9F76A6}"/>
+                <a16:creationId xmlns:a16="http://schemas.microsoft.com/office/drawing/2014/main" id="{F7DA006B-CF19-94F0-8C8C-B590925E71B0}"/>
               </a:ext>
             </a:extLst>
           </p:cNvPr>
@@ -2699,7 +2699,7 @@
           <p:cNvPr id="7" name="灯片编号占位符 6">
             <a:extLst>
               <a:ext uri="{FF2B5EF4-FFF2-40B4-BE49-F238E27FC236}">
-                <a16:creationId xmlns:a16="http://schemas.microsoft.com/office/drawing/2014/main" id="{25701CD5-86A6-D6B0-0132-AF880D9DA5B9}"/>
+                <a16:creationId xmlns:a16="http://schemas.microsoft.com/office/drawing/2014/main" id="{00BBCEFD-17F9-1647-E89E-44541D6AFA3D}"/>
               </a:ext>
             </a:extLst>
           </p:cNvPr>
@@ -2715,7 +2715,7 @@
           <a:bodyPr/>
           <a:lstStyle/>
           <a:p>
-            <a:fld id="{268DCC55-A34E-4BF9-802B-88922C49FAC4}" type="slidenum">
+            <a:fld id="{5D5DA5D1-DF2A-4FC9-BE48-C5A21FE0151F}" type="slidenum">
               <a:rPr lang="zh-CN" altLang="en-US" smtClean="0"/>
               <a:t>‹#›</a:t>
             </a:fld>
@@ -2726,7 +2726,7 @@
     </p:spTree>
     <p:extLst>
       <p:ext uri="{BB962C8B-B14F-4D97-AF65-F5344CB8AC3E}">
-        <p14:creationId xmlns:p14="http://schemas.microsoft.com/office/powerpoint/2010/main" val="3810722471"/>
+        <p14:creationId xmlns:p14="http://schemas.microsoft.com/office/powerpoint/2010/main" val="690674347"/>
       </p:ext>
     </p:extLst>
   </p:cSld>
@@ -2763,7 +2763,7 @@
           <p:cNvPr id="2" name="标题占位符 1">
             <a:extLst>
               <a:ext uri="{FF2B5EF4-FFF2-40B4-BE49-F238E27FC236}">
-                <a16:creationId xmlns:a16="http://schemas.microsoft.com/office/drawing/2014/main" id="{3E2813CC-1D89-BCA6-1139-6C67996EFB57}"/>
+                <a16:creationId xmlns:a16="http://schemas.microsoft.com/office/drawing/2014/main" id="{881D8FA3-0A16-AC74-A59E-900434F59935}"/>
               </a:ext>
             </a:extLst>
           </p:cNvPr>
@@ -2801,7 +2801,7 @@
           <p:cNvPr id="3" name="文本占位符 2">
             <a:extLst>
               <a:ext uri="{FF2B5EF4-FFF2-40B4-BE49-F238E27FC236}">
-                <a16:creationId xmlns:a16="http://schemas.microsoft.com/office/drawing/2014/main" id="{C5CEA098-6B76-AF6B-C4E1-3DA26A55DBC5}"/>
+                <a16:creationId xmlns:a16="http://schemas.microsoft.com/office/drawing/2014/main" id="{6F483455-C979-AC2B-8038-C517C57435E9}"/>
               </a:ext>
             </a:extLst>
           </p:cNvPr>
@@ -2868,7 +2868,7 @@
           <p:cNvPr id="4" name="日期占位符 3">
             <a:extLst>
               <a:ext uri="{FF2B5EF4-FFF2-40B4-BE49-F238E27FC236}">
-                <a16:creationId xmlns:a16="http://schemas.microsoft.com/office/drawing/2014/main" id="{AAA1A613-6505-AC59-79B5-E09C353DAE3F}"/>
+                <a16:creationId xmlns:a16="http://schemas.microsoft.com/office/drawing/2014/main" id="{935F0338-593F-8129-C3DE-1B3F85A5415A}"/>
               </a:ext>
             </a:extLst>
           </p:cNvPr>
@@ -2902,7 +2902,7 @@
             </a:lvl1pPr>
           </a:lstStyle>
           <a:p>
-            <a:fld id="{0FE7D270-B4D6-42E0-A749-EB949D0DEC6C}" type="datetimeFigureOut">
+            <a:fld id="{BFEDC7EF-CE9E-4573-A1DF-8DF5F106E494}" type="datetimeFigureOut">
               <a:rPr lang="zh-CN" altLang="en-US" smtClean="0"/>
               <a:t>2024/3/10</a:t>
             </a:fld>
@@ -2915,7 +2915,7 @@
           <p:cNvPr id="5" name="页脚占位符 4">
             <a:extLst>
               <a:ext uri="{FF2B5EF4-FFF2-40B4-BE49-F238E27FC236}">
-                <a16:creationId xmlns:a16="http://schemas.microsoft.com/office/drawing/2014/main" id="{4E84FFFF-97C7-E2A1-5ABF-1F1BAAAC5355}"/>
+                <a16:creationId xmlns:a16="http://schemas.microsoft.com/office/drawing/2014/main" id="{13362717-36C8-24FD-2F6E-C4E1571AF36F}"/>
               </a:ext>
             </a:extLst>
           </p:cNvPr>
@@ -2958,7 +2958,7 @@
           <p:cNvPr id="6" name="灯片编号占位符 5">
             <a:extLst>
               <a:ext uri="{FF2B5EF4-FFF2-40B4-BE49-F238E27FC236}">
-                <a16:creationId xmlns:a16="http://schemas.microsoft.com/office/drawing/2014/main" id="{AF0321B9-BCA4-EA50-F1A9-5BF1E3F4264C}"/>
+                <a16:creationId xmlns:a16="http://schemas.microsoft.com/office/drawing/2014/main" id="{DEF0EDC2-5B4A-7CA3-DB18-3AD194785E5A}"/>
               </a:ext>
             </a:extLst>
           </p:cNvPr>
@@ -2992,7 +2992,7 @@
             </a:lvl1pPr>
           </a:lstStyle>
           <a:p>
-            <a:fld id="{268DCC55-A34E-4BF9-802B-88922C49FAC4}" type="slidenum">
+            <a:fld id="{5D5DA5D1-DF2A-4FC9-BE48-C5A21FE0151F}" type="slidenum">
               <a:rPr lang="zh-CN" altLang="en-US" smtClean="0"/>
               <a:t>‹#›</a:t>
             </a:fld>
@@ -3003,7 +3003,7 @@
     </p:spTree>
     <p:extLst>
       <p:ext uri="{BB962C8B-B14F-4D97-AF65-F5344CB8AC3E}">
-        <p14:creationId xmlns:p14="http://schemas.microsoft.com/office/powerpoint/2010/main" val="3615098597"/>
+        <p14:creationId xmlns:p14="http://schemas.microsoft.com/office/powerpoint/2010/main" val="448665000"/>
       </p:ext>
     </p:extLst>
   </p:cSld>
